--- a/DEV418_CLR.pptx
+++ b/DEV418_CLR.pptx
@@ -282,7 +282,7 @@
               <a:rPr lang="en-US" smtClean="0">
                 <a:latin typeface="Segoe UI" pitchFamily="34" charset="0"/>
               </a:rPr>
-              <a:t>9/8/2014 10:39 AM</a:t>
+              <a:t>9/8/2014 10:42 PM</a:t>
             </a:fld>
             <a:endParaRPr lang="en-US" dirty="0">
               <a:latin typeface="Segoe UI" pitchFamily="34" charset="0"/>
@@ -591,7 +591,7 @@
           <a:p>
             <a:fld id="{2DFDA5C7-BBAE-481E-8BF7-731156A2E2C1}" type="datetime8">
               <a:rPr lang="en-US" smtClean="0"/>
-              <a:t>9/8/2014 10:39 AM</a:t>
+              <a:t>9/8/2014 10:42 PM</a:t>
             </a:fld>
             <a:endParaRPr lang="en-US" dirty="0"/>
           </a:p>
@@ -1114,7 +1114,7 @@
           <a:p>
             <a:fld id="{64DAA8B1-71E0-4ED8-9A80-C398012240B1}" type="datetime8">
               <a:rPr lang="en-US" smtClean="0"/>
-              <a:t>9/8/2014 10:39 AM</a:t>
+              <a:t>9/8/2014 10:42 PM</a:t>
             </a:fld>
             <a:endParaRPr lang="en-US" dirty="0"/>
           </a:p>
@@ -1294,7 +1294,7 @@
           <a:p>
             <a:fld id="{88A14CBB-3B41-4EA9-BAC8-6B73863190D9}" type="datetime8">
               <a:rPr lang="en-US" smtClean="0"/>
-              <a:t>9/8/2014 10:39 AM</a:t>
+              <a:t>9/8/2014 10:42 PM</a:t>
             </a:fld>
             <a:endParaRPr lang="en-US" dirty="0"/>
           </a:p>
@@ -3932,8 +3932,40 @@
           <a:p>
             <a:r>
               <a:rPr lang="en-NZ" dirty="0" smtClean="0"/>
-              <a:t>Ivan Towlson</a:t>
-            </a:r>
+              <a:t>Ivan </a:t>
+            </a:r>
+            <a:r>
+              <a:rPr lang="en-NZ" dirty="0" smtClean="0"/>
+              <a:t>Towlson</a:t>
+            </a:r>
+          </a:p>
+          <a:p>
+            <a:r>
+              <a:rPr lang="en-NZ" sz="2000" dirty="0"/>
+              <a:t>itowlson@microsoft.com</a:t>
+            </a:r>
+          </a:p>
+          <a:p>
+            <a:r>
+              <a:rPr lang="en-NZ" sz="2000" dirty="0"/>
+              <a:t>@</a:t>
+            </a:r>
+            <a:r>
+              <a:rPr lang="en-NZ" sz="2000" dirty="0" err="1"/>
+              <a:t>ppog_penguin</a:t>
+            </a:r>
+            <a:endParaRPr lang="en-NZ" sz="2000" dirty="0"/>
+          </a:p>
+          <a:p>
+            <a:r>
+              <a:rPr lang="en-NZ" sz="2000" dirty="0"/>
+              <a:t>http://</a:t>
+            </a:r>
+            <a:r>
+              <a:rPr lang="en-NZ" sz="2000" dirty="0" smtClean="0"/>
+              <a:t>hestia.typepad.com/flatlander</a:t>
+            </a:r>
+            <a:endParaRPr lang="en-NZ" sz="2000" dirty="0"/>
           </a:p>
         </p:txBody>
       </p:sp>
